--- a/IBM-spark/IT Analytics-姚晗.pptx
+++ b/IBM-spark/IT Analytics-姚晗.pptx
@@ -5,21 +5,21 @@
     <p:sldMasterId id="2147483648" r:id="rId1"/>
   </p:sldMasterIdLst>
   <p:sldIdLst>
-    <p:sldId id="256" r:id="rId3"/>
-    <p:sldId id="257" r:id="rId4"/>
-    <p:sldId id="258" r:id="rId5"/>
-    <p:sldId id="259" r:id="rId6"/>
-    <p:sldId id="260" r:id="rId7"/>
-    <p:sldId id="261" r:id="rId8"/>
-    <p:sldId id="262" r:id="rId9"/>
-    <p:sldId id="263" r:id="rId10"/>
-    <p:sldId id="264" r:id="rId11"/>
-    <p:sldId id="265" r:id="rId12"/>
-    <p:sldId id="266" r:id="rId13"/>
-    <p:sldId id="267" r:id="rId14"/>
-    <p:sldId id="268" r:id="rId15"/>
-    <p:sldId id="269" r:id="rId16"/>
-    <p:sldId id="270" r:id="rId17"/>
+    <p:sldId id="256" r:id="rId2"/>
+    <p:sldId id="257" r:id="rId3"/>
+    <p:sldId id="258" r:id="rId4"/>
+    <p:sldId id="259" r:id="rId5"/>
+    <p:sldId id="260" r:id="rId6"/>
+    <p:sldId id="261" r:id="rId7"/>
+    <p:sldId id="262" r:id="rId8"/>
+    <p:sldId id="263" r:id="rId9"/>
+    <p:sldId id="264" r:id="rId10"/>
+    <p:sldId id="265" r:id="rId11"/>
+    <p:sldId id="266" r:id="rId12"/>
+    <p:sldId id="267" r:id="rId13"/>
+    <p:sldId id="268" r:id="rId14"/>
+    <p:sldId id="269" r:id="rId15"/>
+    <p:sldId id="270" r:id="rId16"/>
   </p:sldIdLst>
   <p:sldSz cx="12192000" cy="6858000"/>
   <p:notesSz cx="6858000" cy="9144000"/>
@@ -118,11 +118,16 @@
       </a:defRPr>
     </a:lvl9pPr>
   </p:defaultTextStyle>
+  <p:extLst>
+    <p:ext uri="{EFAFB233-063F-42B5-8137-9DF3F51BA10A}">
+      <p15:sldGuideLst xmlns:p15="http://schemas.microsoft.com/office/powerpoint/2012/main"/>
+    </p:ext>
+  </p:extLst>
 </p:presentation>
 </file>
 
 <file path=ppt/slideLayouts/slideLayout1.xml><?xml version="1.0" encoding="utf-8"?>
-<p:sldLayout xmlns:a="http://schemas.openxmlformats.org/drawingml/2006/main" xmlns:r="http://schemas.openxmlformats.org/officeDocument/2006/relationships" xmlns:p="http://schemas.openxmlformats.org/presentationml/2006/main" type="title" preserve="1" showMasterSp="0">
+<p:sldLayout xmlns:a="http://schemas.openxmlformats.org/drawingml/2006/main" xmlns:r="http://schemas.openxmlformats.org/officeDocument/2006/relationships" xmlns:p="http://schemas.openxmlformats.org/presentationml/2006/main" showMasterSp="0" type="title" preserve="1">
   <p:cSld name="标题幻灯片">
     <p:spTree>
       <p:nvGrpSpPr>
@@ -347,6 +352,7 @@
           <a:p>
             <a:fld id="{54276B0A-3273-40F0-AF33-3297F075264A}" type="datetimeFigureOut">
               <a:rPr lang="zh-CN" altLang="en-US" smtClean="0"/>
+              <a:t>2017/7/2</a:t>
             </a:fld>
             <a:endParaRPr lang="zh-CN" altLang="en-US"/>
           </a:p>
@@ -388,6 +394,7 @@
           <a:p>
             <a:fld id="{3365369E-9D09-42D9-816A-399922C8D842}" type="slidenum">
               <a:rPr lang="zh-CN" altLang="en-US" smtClean="0"/>
+              <a:t>‹#›</a:t>
             </a:fld>
             <a:endParaRPr lang="zh-CN" altLang="en-US"/>
           </a:p>
@@ -499,7 +506,6 @@
               <a:rPr lang="zh-CN" altLang="en-US" smtClean="0"/>
               <a:t>编辑母版文本样式</a:t>
             </a:r>
-            <a:endParaRPr lang="zh-CN" altLang="en-US" smtClean="0"/>
           </a:p>
           <a:p>
             <a:pPr lvl="1"/>
@@ -507,7 +513,6 @@
               <a:rPr lang="zh-CN" altLang="en-US" smtClean="0"/>
               <a:t>第二级</a:t>
             </a:r>
-            <a:endParaRPr lang="zh-CN" altLang="en-US" smtClean="0"/>
           </a:p>
           <a:p>
             <a:pPr lvl="2"/>
@@ -515,7 +520,6 @@
               <a:rPr lang="zh-CN" altLang="en-US" smtClean="0"/>
               <a:t>第三级</a:t>
             </a:r>
-            <a:endParaRPr lang="zh-CN" altLang="en-US" smtClean="0"/>
           </a:p>
           <a:p>
             <a:pPr lvl="3"/>
@@ -523,7 +527,6 @@
               <a:rPr lang="zh-CN" altLang="en-US" smtClean="0"/>
               <a:t>第四级</a:t>
             </a:r>
-            <a:endParaRPr lang="zh-CN" altLang="en-US" smtClean="0"/>
           </a:p>
           <a:p>
             <a:pPr lvl="4"/>
@@ -552,6 +555,7 @@
           <a:p>
             <a:fld id="{54276B0A-3273-40F0-AF33-3297F075264A}" type="datetimeFigureOut">
               <a:rPr lang="zh-CN" altLang="en-US" smtClean="0"/>
+              <a:t>2017/7/2</a:t>
             </a:fld>
             <a:endParaRPr lang="zh-CN" altLang="en-US"/>
           </a:p>
@@ -593,6 +597,7 @@
           <a:p>
             <a:fld id="{3365369E-9D09-42D9-816A-399922C8D842}" type="slidenum">
               <a:rPr lang="zh-CN" altLang="en-US" smtClean="0"/>
+              <a:t>‹#›</a:t>
             </a:fld>
             <a:endParaRPr lang="zh-CN" altLang="en-US"/>
           </a:p>
@@ -607,7 +612,7 @@
 </file>
 
 <file path=ppt/slideLayouts/slideLayout11.xml><?xml version="1.0" encoding="utf-8"?>
-<p:sldLayout xmlns:a="http://schemas.openxmlformats.org/drawingml/2006/main" xmlns:r="http://schemas.openxmlformats.org/officeDocument/2006/relationships" xmlns:p="http://schemas.openxmlformats.org/presentationml/2006/main" type="vertTitleAndTx" preserve="1" showMasterSp="0">
+<p:sldLayout xmlns:a="http://schemas.openxmlformats.org/drawingml/2006/main" xmlns:r="http://schemas.openxmlformats.org/officeDocument/2006/relationships" xmlns:p="http://schemas.openxmlformats.org/presentationml/2006/main" showMasterSp="0" type="vertTitleAndTx" preserve="1">
   <p:cSld name="竖排标题与文本">
     <p:spTree>
       <p:nvGrpSpPr>
@@ -752,7 +757,6 @@
               <a:rPr lang="zh-CN" altLang="en-US" smtClean="0"/>
               <a:t>编辑母版文本样式</a:t>
             </a:r>
-            <a:endParaRPr lang="zh-CN" altLang="en-US" smtClean="0"/>
           </a:p>
           <a:p>
             <a:pPr lvl="1"/>
@@ -760,7 +764,6 @@
               <a:rPr lang="zh-CN" altLang="en-US" smtClean="0"/>
               <a:t>第二级</a:t>
             </a:r>
-            <a:endParaRPr lang="zh-CN" altLang="en-US" smtClean="0"/>
           </a:p>
           <a:p>
             <a:pPr lvl="2"/>
@@ -768,7 +771,6 @@
               <a:rPr lang="zh-CN" altLang="en-US" smtClean="0"/>
               <a:t>第三级</a:t>
             </a:r>
-            <a:endParaRPr lang="zh-CN" altLang="en-US" smtClean="0"/>
           </a:p>
           <a:p>
             <a:pPr lvl="3"/>
@@ -776,7 +778,6 @@
               <a:rPr lang="zh-CN" altLang="en-US" smtClean="0"/>
               <a:t>第四级</a:t>
             </a:r>
-            <a:endParaRPr lang="zh-CN" altLang="en-US" smtClean="0"/>
           </a:p>
           <a:p>
             <a:pPr lvl="4"/>
@@ -805,6 +806,7 @@
           <a:p>
             <a:fld id="{54276B0A-3273-40F0-AF33-3297F075264A}" type="datetimeFigureOut">
               <a:rPr lang="zh-CN" altLang="en-US" smtClean="0"/>
+              <a:t>2017/7/2</a:t>
             </a:fld>
             <a:endParaRPr lang="zh-CN" altLang="en-US"/>
           </a:p>
@@ -846,6 +848,7 @@
           <a:p>
             <a:fld id="{3365369E-9D09-42D9-816A-399922C8D842}" type="slidenum">
               <a:rPr lang="zh-CN" altLang="en-US" smtClean="0"/>
+              <a:t>‹#›</a:t>
             </a:fld>
             <a:endParaRPr lang="zh-CN" altLang="en-US"/>
           </a:p>
@@ -923,7 +926,6 @@
               <a:rPr lang="zh-CN" altLang="en-US" smtClean="0"/>
               <a:t>编辑母版文本样式</a:t>
             </a:r>
-            <a:endParaRPr lang="zh-CN" altLang="en-US" smtClean="0"/>
           </a:p>
           <a:p>
             <a:pPr lvl="1"/>
@@ -931,7 +933,6 @@
               <a:rPr lang="zh-CN" altLang="en-US" smtClean="0"/>
               <a:t>第二级</a:t>
             </a:r>
-            <a:endParaRPr lang="zh-CN" altLang="en-US" smtClean="0"/>
           </a:p>
           <a:p>
             <a:pPr lvl="2"/>
@@ -939,7 +940,6 @@
               <a:rPr lang="zh-CN" altLang="en-US" smtClean="0"/>
               <a:t>第三级</a:t>
             </a:r>
-            <a:endParaRPr lang="zh-CN" altLang="en-US" smtClean="0"/>
           </a:p>
           <a:p>
             <a:pPr lvl="3"/>
@@ -947,7 +947,6 @@
               <a:rPr lang="zh-CN" altLang="en-US" smtClean="0"/>
               <a:t>第四级</a:t>
             </a:r>
-            <a:endParaRPr lang="zh-CN" altLang="en-US" smtClean="0"/>
           </a:p>
           <a:p>
             <a:pPr lvl="4"/>
@@ -976,6 +975,7 @@
           <a:p>
             <a:fld id="{54276B0A-3273-40F0-AF33-3297F075264A}" type="datetimeFigureOut">
               <a:rPr lang="zh-CN" altLang="en-US" smtClean="0"/>
+              <a:t>2017/7/2</a:t>
             </a:fld>
             <a:endParaRPr lang="zh-CN" altLang="en-US"/>
           </a:p>
@@ -1017,6 +1017,7 @@
           <a:p>
             <a:fld id="{3365369E-9D09-42D9-816A-399922C8D842}" type="slidenum">
               <a:rPr lang="zh-CN" altLang="en-US" smtClean="0"/>
+              <a:t>‹#›</a:t>
             </a:fld>
             <a:endParaRPr lang="zh-CN" altLang="en-US"/>
           </a:p>
@@ -1031,7 +1032,7 @@
 </file>
 
 <file path=ppt/slideLayouts/slideLayout3.xml><?xml version="1.0" encoding="utf-8"?>
-<p:sldLayout xmlns:a="http://schemas.openxmlformats.org/drawingml/2006/main" xmlns:r="http://schemas.openxmlformats.org/officeDocument/2006/relationships" xmlns:p="http://schemas.openxmlformats.org/presentationml/2006/main" type="secHead" preserve="1" showMasterSp="0">
+<p:sldLayout xmlns:a="http://schemas.openxmlformats.org/drawingml/2006/main" xmlns:r="http://schemas.openxmlformats.org/officeDocument/2006/relationships" xmlns:p="http://schemas.openxmlformats.org/presentationml/2006/main" showMasterSp="0" type="secHead" preserve="1">
   <p:cSld name="节标题">
     <p:bg>
       <p:bgPr>
@@ -1292,7 +1293,6 @@
               <a:rPr lang="zh-CN" altLang="en-US" smtClean="0"/>
               <a:t>编辑母版文本样式</a:t>
             </a:r>
-            <a:endParaRPr lang="zh-CN" altLang="en-US" smtClean="0"/>
           </a:p>
         </p:txBody>
       </p:sp>
@@ -1313,6 +1313,7 @@
           <a:p>
             <a:fld id="{54276B0A-3273-40F0-AF33-3297F075264A}" type="datetimeFigureOut">
               <a:rPr lang="zh-CN" altLang="en-US" smtClean="0"/>
+              <a:t>2017/7/2</a:t>
             </a:fld>
             <a:endParaRPr lang="zh-CN" altLang="en-US"/>
           </a:p>
@@ -1354,6 +1355,7 @@
           <a:p>
             <a:fld id="{3365369E-9D09-42D9-816A-399922C8D842}" type="slidenum">
               <a:rPr lang="zh-CN" altLang="en-US" smtClean="0"/>
+              <a:t>‹#›</a:t>
             </a:fld>
             <a:endParaRPr lang="zh-CN" altLang="en-US"/>
           </a:p>
@@ -1475,7 +1477,6 @@
               <a:rPr lang="zh-CN" altLang="en-US" smtClean="0"/>
               <a:t>编辑母版文本样式</a:t>
             </a:r>
-            <a:endParaRPr lang="zh-CN" altLang="en-US" smtClean="0"/>
           </a:p>
           <a:p>
             <a:pPr lvl="1"/>
@@ -1483,7 +1484,6 @@
               <a:rPr lang="zh-CN" altLang="en-US" smtClean="0"/>
               <a:t>第二级</a:t>
             </a:r>
-            <a:endParaRPr lang="zh-CN" altLang="en-US" smtClean="0"/>
           </a:p>
           <a:p>
             <a:pPr lvl="2"/>
@@ -1491,7 +1491,6 @@
               <a:rPr lang="zh-CN" altLang="en-US" smtClean="0"/>
               <a:t>第三级</a:t>
             </a:r>
-            <a:endParaRPr lang="zh-CN" altLang="en-US" smtClean="0"/>
           </a:p>
           <a:p>
             <a:pPr lvl="3"/>
@@ -1499,7 +1498,6 @@
               <a:rPr lang="zh-CN" altLang="en-US" smtClean="0"/>
               <a:t>第四级</a:t>
             </a:r>
-            <a:endParaRPr lang="zh-CN" altLang="en-US" smtClean="0"/>
           </a:p>
           <a:p>
             <a:pPr lvl="4"/>
@@ -1536,7 +1534,6 @@
               <a:rPr lang="zh-CN" altLang="en-US" smtClean="0"/>
               <a:t>编辑母版文本样式</a:t>
             </a:r>
-            <a:endParaRPr lang="zh-CN" altLang="en-US" smtClean="0"/>
           </a:p>
           <a:p>
             <a:pPr lvl="1"/>
@@ -1544,7 +1541,6 @@
               <a:rPr lang="zh-CN" altLang="en-US" smtClean="0"/>
               <a:t>第二级</a:t>
             </a:r>
-            <a:endParaRPr lang="zh-CN" altLang="en-US" smtClean="0"/>
           </a:p>
           <a:p>
             <a:pPr lvl="2"/>
@@ -1552,7 +1548,6 @@
               <a:rPr lang="zh-CN" altLang="en-US" smtClean="0"/>
               <a:t>第三级</a:t>
             </a:r>
-            <a:endParaRPr lang="zh-CN" altLang="en-US" smtClean="0"/>
           </a:p>
           <a:p>
             <a:pPr lvl="3"/>
@@ -1560,7 +1555,6 @@
               <a:rPr lang="zh-CN" altLang="en-US" smtClean="0"/>
               <a:t>第四级</a:t>
             </a:r>
-            <a:endParaRPr lang="zh-CN" altLang="en-US" smtClean="0"/>
           </a:p>
           <a:p>
             <a:pPr lvl="4"/>
@@ -1589,6 +1583,7 @@
           <a:p>
             <a:fld id="{54276B0A-3273-40F0-AF33-3297F075264A}" type="datetimeFigureOut">
               <a:rPr lang="zh-CN" altLang="en-US" smtClean="0"/>
+              <a:t>2017/7/2</a:t>
             </a:fld>
             <a:endParaRPr lang="zh-CN" altLang="en-US"/>
           </a:p>
@@ -1630,6 +1625,7 @@
           <a:p>
             <a:fld id="{3365369E-9D09-42D9-816A-399922C8D842}" type="slidenum">
               <a:rPr lang="zh-CN" altLang="en-US" smtClean="0"/>
+              <a:t>‹#›</a:t>
             </a:fld>
             <a:endParaRPr lang="zh-CN" altLang="en-US"/>
           </a:p>
@@ -1756,7 +1752,6 @@
               <a:rPr lang="zh-CN" altLang="en-US" smtClean="0"/>
               <a:t>编辑母版文本样式</a:t>
             </a:r>
-            <a:endParaRPr lang="zh-CN" altLang="en-US" smtClean="0"/>
           </a:p>
         </p:txBody>
       </p:sp>
@@ -1785,7 +1780,6 @@
               <a:rPr lang="zh-CN" altLang="en-US" smtClean="0"/>
               <a:t>编辑母版文本样式</a:t>
             </a:r>
-            <a:endParaRPr lang="zh-CN" altLang="en-US" smtClean="0"/>
           </a:p>
           <a:p>
             <a:pPr lvl="1"/>
@@ -1793,7 +1787,6 @@
               <a:rPr lang="zh-CN" altLang="en-US" smtClean="0"/>
               <a:t>第二级</a:t>
             </a:r>
-            <a:endParaRPr lang="zh-CN" altLang="en-US" smtClean="0"/>
           </a:p>
           <a:p>
             <a:pPr lvl="2"/>
@@ -1801,7 +1794,6 @@
               <a:rPr lang="zh-CN" altLang="en-US" smtClean="0"/>
               <a:t>第三级</a:t>
             </a:r>
-            <a:endParaRPr lang="zh-CN" altLang="en-US" smtClean="0"/>
           </a:p>
           <a:p>
             <a:pPr lvl="3"/>
@@ -1809,7 +1801,6 @@
               <a:rPr lang="zh-CN" altLang="en-US" smtClean="0"/>
               <a:t>第四级</a:t>
             </a:r>
-            <a:endParaRPr lang="zh-CN" altLang="en-US" smtClean="0"/>
           </a:p>
           <a:p>
             <a:pPr lvl="4"/>
@@ -1889,7 +1880,6 @@
               <a:rPr lang="zh-CN" altLang="en-US" smtClean="0"/>
               <a:t>编辑母版文本样式</a:t>
             </a:r>
-            <a:endParaRPr lang="zh-CN" altLang="en-US" smtClean="0"/>
           </a:p>
         </p:txBody>
       </p:sp>
@@ -1918,7 +1908,6 @@
               <a:rPr lang="zh-CN" altLang="en-US" smtClean="0"/>
               <a:t>编辑母版文本样式</a:t>
             </a:r>
-            <a:endParaRPr lang="zh-CN" altLang="en-US" smtClean="0"/>
           </a:p>
           <a:p>
             <a:pPr lvl="1"/>
@@ -1926,7 +1915,6 @@
               <a:rPr lang="zh-CN" altLang="en-US" smtClean="0"/>
               <a:t>第二级</a:t>
             </a:r>
-            <a:endParaRPr lang="zh-CN" altLang="en-US" smtClean="0"/>
           </a:p>
           <a:p>
             <a:pPr lvl="2"/>
@@ -1934,7 +1922,6 @@
               <a:rPr lang="zh-CN" altLang="en-US" smtClean="0"/>
               <a:t>第三级</a:t>
             </a:r>
-            <a:endParaRPr lang="zh-CN" altLang="en-US" smtClean="0"/>
           </a:p>
           <a:p>
             <a:pPr lvl="3"/>
@@ -1942,7 +1929,6 @@
               <a:rPr lang="zh-CN" altLang="en-US" smtClean="0"/>
               <a:t>第四级</a:t>
             </a:r>
-            <a:endParaRPr lang="zh-CN" altLang="en-US" smtClean="0"/>
           </a:p>
           <a:p>
             <a:pPr lvl="4"/>
@@ -1971,6 +1957,7 @@
           <a:p>
             <a:fld id="{54276B0A-3273-40F0-AF33-3297F075264A}" type="datetimeFigureOut">
               <a:rPr lang="zh-CN" altLang="en-US" smtClean="0"/>
+              <a:t>2017/7/2</a:t>
             </a:fld>
             <a:endParaRPr lang="zh-CN" altLang="en-US"/>
           </a:p>
@@ -2012,6 +1999,7 @@
           <a:p>
             <a:fld id="{3365369E-9D09-42D9-816A-399922C8D842}" type="slidenum">
               <a:rPr lang="zh-CN" altLang="en-US" smtClean="0"/>
+              <a:t>‹#›</a:t>
             </a:fld>
             <a:endParaRPr lang="zh-CN" altLang="en-US"/>
           </a:p>
@@ -2082,6 +2070,7 @@
           <a:p>
             <a:fld id="{54276B0A-3273-40F0-AF33-3297F075264A}" type="datetimeFigureOut">
               <a:rPr lang="zh-CN" altLang="en-US" smtClean="0"/>
+              <a:t>2017/7/2</a:t>
             </a:fld>
             <a:endParaRPr lang="zh-CN" altLang="en-US"/>
           </a:p>
@@ -2123,6 +2112,7 @@
           <a:p>
             <a:fld id="{3365369E-9D09-42D9-816A-399922C8D842}" type="slidenum">
               <a:rPr lang="zh-CN" altLang="en-US" smtClean="0"/>
+              <a:t>‹#›</a:t>
             </a:fld>
             <a:endParaRPr lang="zh-CN" altLang="en-US"/>
           </a:p>
@@ -2137,7 +2127,7 @@
 </file>
 
 <file path=ppt/slideLayouts/slideLayout7.xml><?xml version="1.0" encoding="utf-8"?>
-<p:sldLayout xmlns:a="http://schemas.openxmlformats.org/drawingml/2006/main" xmlns:r="http://schemas.openxmlformats.org/officeDocument/2006/relationships" xmlns:p="http://schemas.openxmlformats.org/presentationml/2006/main" type="blank" preserve="1" showMasterSp="0">
+<p:sldLayout xmlns:a="http://schemas.openxmlformats.org/drawingml/2006/main" xmlns:r="http://schemas.openxmlformats.org/officeDocument/2006/relationships" xmlns:p="http://schemas.openxmlformats.org/presentationml/2006/main" showMasterSp="0" type="blank" preserve="1">
   <p:cSld name="空白">
     <p:spTree>
       <p:nvGrpSpPr>
@@ -2246,6 +2236,7 @@
           <a:p>
             <a:fld id="{54276B0A-3273-40F0-AF33-3297F075264A}" type="datetimeFigureOut">
               <a:rPr lang="zh-CN" altLang="en-US" smtClean="0"/>
+              <a:t>2017/7/2</a:t>
             </a:fld>
             <a:endParaRPr lang="zh-CN" altLang="en-US"/>
           </a:p>
@@ -2295,6 +2286,7 @@
           <a:p>
             <a:fld id="{3365369E-9D09-42D9-816A-399922C8D842}" type="slidenum">
               <a:rPr lang="zh-CN" altLang="en-US" smtClean="0"/>
+              <a:t>‹#›</a:t>
             </a:fld>
             <a:endParaRPr lang="zh-CN" altLang="en-US"/>
           </a:p>
@@ -2309,7 +2301,7 @@
 </file>
 
 <file path=ppt/slideLayouts/slideLayout8.xml><?xml version="1.0" encoding="utf-8"?>
-<p:sldLayout xmlns:a="http://schemas.openxmlformats.org/drawingml/2006/main" xmlns:r="http://schemas.openxmlformats.org/officeDocument/2006/relationships" xmlns:p="http://schemas.openxmlformats.org/presentationml/2006/main" type="objTx" preserve="1" showMasterSp="0">
+<p:sldLayout xmlns:a="http://schemas.openxmlformats.org/drawingml/2006/main" xmlns:r="http://schemas.openxmlformats.org/officeDocument/2006/relationships" xmlns:p="http://schemas.openxmlformats.org/presentationml/2006/main" showMasterSp="0" type="objTx" preserve="1">
   <p:cSld name="内容与标题">
     <p:spTree>
       <p:nvGrpSpPr>
@@ -2464,7 +2456,6 @@
               <a:rPr lang="zh-CN" altLang="en-US" smtClean="0"/>
               <a:t>编辑母版文本样式</a:t>
             </a:r>
-            <a:endParaRPr lang="zh-CN" altLang="en-US" smtClean="0"/>
           </a:p>
           <a:p>
             <a:pPr lvl="1"/>
@@ -2472,7 +2463,6 @@
               <a:rPr lang="zh-CN" altLang="en-US" smtClean="0"/>
               <a:t>第二级</a:t>
             </a:r>
-            <a:endParaRPr lang="zh-CN" altLang="en-US" smtClean="0"/>
           </a:p>
           <a:p>
             <a:pPr lvl="2"/>
@@ -2480,7 +2470,6 @@
               <a:rPr lang="zh-CN" altLang="en-US" smtClean="0"/>
               <a:t>第三级</a:t>
             </a:r>
-            <a:endParaRPr lang="zh-CN" altLang="en-US" smtClean="0"/>
           </a:p>
           <a:p>
             <a:pPr lvl="3"/>
@@ -2488,7 +2477,6 @@
               <a:rPr lang="zh-CN" altLang="en-US" smtClean="0"/>
               <a:t>第四级</a:t>
             </a:r>
-            <a:endParaRPr lang="zh-CN" altLang="en-US" smtClean="0"/>
           </a:p>
           <a:p>
             <a:pPr lvl="4"/>
@@ -2568,7 +2556,6 @@
               <a:rPr lang="zh-CN" altLang="en-US" smtClean="0"/>
               <a:t>编辑母版文本样式</a:t>
             </a:r>
-            <a:endParaRPr lang="zh-CN" altLang="en-US" smtClean="0"/>
           </a:p>
         </p:txBody>
       </p:sp>
@@ -2598,6 +2585,7 @@
           <a:p>
             <a:fld id="{54276B0A-3273-40F0-AF33-3297F075264A}" type="datetimeFigureOut">
               <a:rPr lang="zh-CN" altLang="en-US" smtClean="0"/>
+              <a:t>2017/7/2</a:t>
             </a:fld>
             <a:endParaRPr lang="zh-CN" altLang="en-US"/>
           </a:p>
@@ -2660,6 +2648,7 @@
           <a:p>
             <a:fld id="{3365369E-9D09-42D9-816A-399922C8D842}" type="slidenum">
               <a:rPr lang="zh-CN" altLang="en-US" smtClean="0"/>
+              <a:t>‹#›</a:t>
             </a:fld>
             <a:endParaRPr lang="zh-CN" altLang="en-US"/>
           </a:p>
@@ -2674,7 +2663,7 @@
 </file>
 
 <file path=ppt/slideLayouts/slideLayout9.xml><?xml version="1.0" encoding="utf-8"?>
-<p:sldLayout xmlns:a="http://schemas.openxmlformats.org/drawingml/2006/main" xmlns:r="http://schemas.openxmlformats.org/officeDocument/2006/relationships" xmlns:p="http://schemas.openxmlformats.org/presentationml/2006/main" type="picTx" preserve="1" showMasterSp="0">
+<p:sldLayout xmlns:a="http://schemas.openxmlformats.org/drawingml/2006/main" xmlns:r="http://schemas.openxmlformats.org/officeDocument/2006/relationships" xmlns:p="http://schemas.openxmlformats.org/presentationml/2006/main" showMasterSp="0" type="picTx" preserve="1">
   <p:cSld name="图片与标题">
     <p:spTree>
       <p:nvGrpSpPr>
@@ -2953,7 +2942,6 @@
               <a:rPr lang="zh-CN" altLang="en-US" smtClean="0"/>
               <a:t>编辑母版文本样式</a:t>
             </a:r>
-            <a:endParaRPr lang="zh-CN" altLang="en-US" smtClean="0"/>
           </a:p>
         </p:txBody>
       </p:sp>
@@ -2974,6 +2962,7 @@
           <a:p>
             <a:fld id="{54276B0A-3273-40F0-AF33-3297F075264A}" type="datetimeFigureOut">
               <a:rPr lang="zh-CN" altLang="en-US" smtClean="0"/>
+              <a:t>2017/7/2</a:t>
             </a:fld>
             <a:endParaRPr lang="zh-CN" altLang="en-US"/>
           </a:p>
@@ -3015,6 +3004,7 @@
           <a:p>
             <a:fld id="{3365369E-9D09-42D9-816A-399922C8D842}" type="slidenum">
               <a:rPr lang="zh-CN" altLang="en-US" smtClean="0"/>
+              <a:t>‹#›</a:t>
             </a:fld>
             <a:endParaRPr lang="zh-CN" altLang="en-US"/>
           </a:p>
@@ -3189,7 +3179,6 @@
               <a:rPr lang="zh-CN" altLang="en-US" smtClean="0"/>
               <a:t>编辑母版文本样式</a:t>
             </a:r>
-            <a:endParaRPr lang="zh-CN" altLang="en-US" smtClean="0"/>
           </a:p>
           <a:p>
             <a:pPr lvl="1"/>
@@ -3197,7 +3186,6 @@
               <a:rPr lang="zh-CN" altLang="en-US" smtClean="0"/>
               <a:t>第二级</a:t>
             </a:r>
-            <a:endParaRPr lang="zh-CN" altLang="en-US" smtClean="0"/>
           </a:p>
           <a:p>
             <a:pPr lvl="2"/>
@@ -3205,7 +3193,6 @@
               <a:rPr lang="zh-CN" altLang="en-US" smtClean="0"/>
               <a:t>第三级</a:t>
             </a:r>
-            <a:endParaRPr lang="zh-CN" altLang="en-US" smtClean="0"/>
           </a:p>
           <a:p>
             <a:pPr lvl="3"/>
@@ -3213,7 +3200,6 @@
               <a:rPr lang="zh-CN" altLang="en-US" smtClean="0"/>
               <a:t>第四级</a:t>
             </a:r>
-            <a:endParaRPr lang="zh-CN" altLang="en-US" smtClean="0"/>
           </a:p>
           <a:p>
             <a:pPr lvl="4"/>
@@ -3258,6 +3244,7 @@
           <a:p>
             <a:fld id="{54276B0A-3273-40F0-AF33-3297F075264A}" type="datetimeFigureOut">
               <a:rPr lang="zh-CN" altLang="en-US" smtClean="0"/>
+              <a:t>2017/7/2</a:t>
             </a:fld>
             <a:endParaRPr lang="zh-CN" altLang="en-US"/>
           </a:p>
@@ -3331,6 +3318,7 @@
           <a:p>
             <a:fld id="{3365369E-9D09-42D9-816A-399922C8D842}" type="slidenum">
               <a:rPr lang="zh-CN" altLang="en-US" smtClean="0"/>
+              <a:t>‹#›</a:t>
             </a:fld>
             <a:endParaRPr lang="zh-CN" altLang="en-US"/>
           </a:p>
@@ -3829,11 +3817,11 @@
           </a:p>
           <a:p>
             <a:r>
-              <a:rPr lang="en-US" altLang="zh-CN" cap="none" dirty="0" smtClean="0">
+              <a:rPr lang="en-US" altLang="zh-CN" cap="none" smtClean="0">
                 <a:latin typeface="微软雅黑" panose="020B0503020204020204" pitchFamily="34" charset="-122"/>
                 <a:ea typeface="微软雅黑" panose="020B0503020204020204" pitchFamily="34" charset="-122"/>
               </a:rPr>
-              <a:t>yaohan125@gmail.com</a:t>
+              <a:t>yaohan125@qq.com</a:t>
             </a:r>
             <a:endParaRPr lang="en-US" altLang="zh-CN" cap="none" dirty="0" smtClean="0">
               <a:latin typeface="微软雅黑" panose="020B0503020204020204" pitchFamily="34" charset="-122"/>
@@ -3940,7 +3928,6 @@
               <a:rPr lang="zh-CN" altLang="zh-CN" dirty="0"/>
               <a:t>核心是计算引擎，支持各种高级组件</a:t>
             </a:r>
-            <a:endParaRPr lang="zh-CN" altLang="zh-CN" dirty="0"/>
           </a:p>
           <a:p>
             <a:r>
@@ -3967,7 +3954,6 @@
               <a:rPr lang="zh-CN" altLang="zh-CN" dirty="0"/>
               <a:t>定义</a:t>
             </a:r>
-            <a:endParaRPr lang="zh-CN" altLang="zh-CN" dirty="0"/>
           </a:p>
           <a:p>
             <a:r>
@@ -4002,7 +3988,6 @@
               <a:rPr lang="zh-CN" altLang="zh-CN" dirty="0"/>
               <a:t>等</a:t>
             </a:r>
-            <a:endParaRPr lang="zh-CN" altLang="zh-CN" dirty="0"/>
           </a:p>
           <a:p>
             <a:r>
@@ -4013,7 +3998,6 @@
               <a:rPr lang="zh-CN" altLang="zh-CN" dirty="0"/>
               <a:t>对实时数据进行流式运算</a:t>
             </a:r>
-            <a:endParaRPr lang="zh-CN" altLang="zh-CN" dirty="0"/>
           </a:p>
           <a:p>
             <a:r>
@@ -4028,7 +4012,6 @@
               <a:rPr lang="zh-CN" altLang="zh-CN" dirty="0"/>
               <a:t>提供常见机器学习功能的程序库，包括分类，回归，聚类，协同过滤</a:t>
             </a:r>
-            <a:endParaRPr lang="zh-CN" altLang="zh-CN" dirty="0"/>
           </a:p>
           <a:p>
             <a:r>
@@ -4043,7 +4026,6 @@
               <a:rPr lang="zh-CN" altLang="zh-CN" dirty="0"/>
               <a:t>操作图，进行并行图计算</a:t>
             </a:r>
-            <a:endParaRPr lang="zh-CN" altLang="zh-CN" dirty="0"/>
           </a:p>
           <a:p>
             <a:r>
@@ -4074,7 +4056,7 @@
           <p:nvPr/>
         </p:nvPicPr>
         <p:blipFill>
-          <a:blip r:embed="rId1"/>
+          <a:blip r:embed="rId2"/>
           <a:stretch>
             <a:fillRect/>
           </a:stretch>
@@ -4301,7 +4283,6 @@
               <a:rPr lang="zh-CN" altLang="zh-CN" dirty="0"/>
               <a:t>缓存。</a:t>
             </a:r>
-            <a:endParaRPr lang="zh-CN" altLang="zh-CN" dirty="0"/>
           </a:p>
           <a:p>
             <a:endParaRPr lang="zh-CN" altLang="en-US" dirty="0"/>
@@ -4386,7 +4367,6 @@
               <a:rPr lang="en-US" altLang="zh-CN" dirty="0" smtClean="0"/>
               <a:t>()</a:t>
             </a:r>
-            <a:endParaRPr lang="en-US" altLang="zh-CN" dirty="0" smtClean="0"/>
           </a:p>
           <a:p>
             <a:r>
@@ -4427,7 +4407,6 @@
               <a:rPr lang="en-US" altLang="zh-CN" dirty="0" smtClean="0"/>
               <a:t>()</a:t>
             </a:r>
-            <a:endParaRPr lang="en-US" altLang="zh-CN" dirty="0" smtClean="0"/>
           </a:p>
           <a:p>
             <a:r>
@@ -4640,7 +4619,6 @@
               <a:rPr lang="zh-CN" altLang="zh-CN" dirty="0"/>
               <a:t>，开销大</a:t>
             </a:r>
-            <a:endParaRPr lang="zh-CN" altLang="zh-CN" dirty="0"/>
           </a:p>
           <a:p>
             <a:r>
@@ -4671,7 +4649,6 @@
               <a:rPr lang="zh-CN" altLang="zh-CN" dirty="0"/>
               <a:t>进行合并</a:t>
             </a:r>
-            <a:endParaRPr lang="zh-CN" altLang="zh-CN" dirty="0"/>
           </a:p>
           <a:p>
             <a:r>
@@ -4706,7 +4683,6 @@
               <a:rPr lang="zh-CN" altLang="zh-CN" dirty="0"/>
               <a:t>需要混洗</a:t>
             </a:r>
-            <a:endParaRPr lang="zh-CN" altLang="zh-CN" dirty="0"/>
           </a:p>
           <a:p>
             <a:r>
@@ -4753,7 +4729,6 @@
               <a:rPr lang="zh-CN" altLang="zh-CN" dirty="0"/>
               <a:t>，需要混洗</a:t>
             </a:r>
-            <a:endParaRPr lang="zh-CN" altLang="zh-CN" dirty="0"/>
           </a:p>
           <a:p>
             <a:r>
@@ -4784,7 +4759,6 @@
               <a:rPr lang="zh-CN" altLang="zh-CN" dirty="0"/>
               <a:t>的笛卡尔乘积，求大规模开销巨大</a:t>
             </a:r>
-            <a:endParaRPr lang="zh-CN" altLang="zh-CN" dirty="0"/>
           </a:p>
           <a:p>
             <a:endParaRPr lang="zh-CN" altLang="en-US" dirty="0"/>
@@ -4887,7 +4861,6 @@
               <a:rPr lang="zh-CN" altLang="zh-CN" dirty="0"/>
               <a:t>中的数据，不能用在大规模数据集</a:t>
             </a:r>
-            <a:endParaRPr lang="zh-CN" altLang="zh-CN" dirty="0"/>
           </a:p>
           <a:p>
             <a:r>
@@ -4945,7 +4918,6 @@
               <a:rPr lang="zh-CN" altLang="zh-CN" dirty="0"/>
               <a:t>的第一个值</a:t>
             </a:r>
-            <a:endParaRPr lang="zh-CN" altLang="zh-CN" dirty="0"/>
           </a:p>
           <a:p>
             <a:r>
@@ -4984,7 +4956,6 @@
               <a:rPr lang="zh-CN" altLang="zh-CN" dirty="0"/>
               <a:t>个元素</a:t>
             </a:r>
-            <a:endParaRPr lang="zh-CN" altLang="zh-CN" dirty="0"/>
           </a:p>
           <a:p>
             <a:r>
@@ -5042,7 +5013,6 @@
               <a:rPr lang="zh-CN" altLang="zh-CN" dirty="0"/>
               <a:t>行整合所有数据</a:t>
             </a:r>
-            <a:endParaRPr lang="zh-CN" altLang="zh-CN" dirty="0"/>
           </a:p>
           <a:p>
             <a:r>
@@ -5065,7 +5035,6 @@
               <a:rPr lang="zh-CN" altLang="zh-CN" dirty="0"/>
               <a:t>要提供初值</a:t>
             </a:r>
-            <a:endParaRPr lang="zh-CN" altLang="zh-CN" dirty="0"/>
           </a:p>
           <a:p>
             <a:r>
@@ -5080,7 +5049,6 @@
               <a:rPr lang="zh-CN" altLang="zh-CN" dirty="0"/>
               <a:t>常返回不同类型的函数</a:t>
             </a:r>
-            <a:endParaRPr lang="zh-CN" altLang="zh-CN" dirty="0"/>
           </a:p>
           <a:p>
             <a:r>
@@ -5185,6 +5153,7 @@
           <a:bodyPr>
             <a:noAutofit/>
           </a:bodyPr>
+          <a:lstStyle/>
           <a:p>
             <a:endParaRPr lang="zh-CN" dirty="0"/>
           </a:p>
@@ -5193,7 +5162,6 @@
               <a:rPr lang="zh-CN" dirty="0"/>
               <a:t>下一步工作</a:t>
             </a:r>
-            <a:endParaRPr lang="zh-CN" dirty="0"/>
           </a:p>
           <a:p>
             <a:r>
@@ -5208,21 +5176,18 @@
               <a:rPr lang="zh-CN" altLang="en-US" dirty="0"/>
               <a:t>注重代码实践</a:t>
             </a:r>
-            <a:endParaRPr lang="zh-CN" altLang="en-US" dirty="0"/>
           </a:p>
           <a:p>
             <a:r>
               <a:rPr lang="zh-CN" altLang="en-US" dirty="0"/>
               <a:t>学习性能监控文档，中文的入门</a:t>
             </a:r>
-            <a:endParaRPr lang="zh-CN" altLang="en-US" dirty="0"/>
           </a:p>
           <a:p>
             <a:r>
               <a:rPr lang="zh-CN" altLang="en-US" dirty="0"/>
               <a:t>熟悉现有的模型和工具</a:t>
             </a:r>
-            <a:endParaRPr lang="zh-CN" altLang="en-US" dirty="0"/>
           </a:p>
           <a:p>
             <a:endParaRPr lang="zh-CN" altLang="en-US" dirty="0"/>
@@ -5232,7 +5197,6 @@
               <a:rPr lang="zh-CN" altLang="en-US" dirty="0"/>
               <a:t>明确需求</a:t>
             </a:r>
-            <a:endParaRPr lang="zh-CN" altLang="en-US" dirty="0"/>
           </a:p>
           <a:p>
             <a:r>
@@ -5255,7 +5219,6 @@
               <a:rPr lang="zh-CN" altLang="en-US" dirty="0"/>
               <a:t>小时的数据处理</a:t>
             </a:r>
-            <a:endParaRPr lang="zh-CN" altLang="en-US" dirty="0"/>
           </a:p>
           <a:p>
             <a:r>
@@ -5270,14 +5233,12 @@
               <a:rPr lang="zh-CN" altLang="en-US" dirty="0"/>
               <a:t>做更长时间甚至即时性的数据处理</a:t>
             </a:r>
-            <a:endParaRPr lang="zh-CN" altLang="en-US" dirty="0"/>
           </a:p>
           <a:p>
             <a:r>
               <a:rPr lang="zh-CN" altLang="en-US" dirty="0"/>
               <a:t>目前不需要集群，本地实现即可</a:t>
             </a:r>
-            <a:endParaRPr lang="zh-CN" altLang="en-US" dirty="0"/>
           </a:p>
         </p:txBody>
       </p:sp>
@@ -5490,7 +5451,6 @@
               <a:rPr lang="zh-CN" altLang="en-US" dirty="0"/>
               <a:t>大数据分析平台</a:t>
             </a:r>
-            <a:endParaRPr lang="zh-CN" altLang="en-US" dirty="0"/>
           </a:p>
           <a:p>
             <a:r>
@@ -5603,7 +5563,6 @@
               <a:rPr lang="zh-CN" altLang="en-US" dirty="0"/>
               <a:t>提供运维数据给大数据分析平台</a:t>
             </a:r>
-            <a:endParaRPr lang="zh-CN" altLang="en-US" dirty="0"/>
           </a:p>
           <a:p>
             <a:r>
@@ -5614,7 +5573,6 @@
               <a:rPr lang="zh-CN" altLang="en-US" dirty="0"/>
               <a:t>数据、日志类文件、通知事件</a:t>
             </a:r>
-            <a:endParaRPr lang="zh-CN" altLang="en-US" dirty="0"/>
           </a:p>
           <a:p>
             <a:endParaRPr lang="zh-CN" altLang="en-US" dirty="0"/>
@@ -5894,7 +5852,7 @@
           <p:nvPr/>
         </p:nvPicPr>
         <p:blipFill>
-          <a:blip r:embed="rId1"/>
+          <a:blip r:embed="rId2"/>
           <a:stretch>
             <a:fillRect/>
           </a:stretch>
@@ -5977,7 +5935,7 @@
           <p:nvPr/>
         </p:nvPicPr>
         <p:blipFill>
-          <a:blip r:embed="rId1"/>
+          <a:blip r:embed="rId2"/>
           <a:stretch>
             <a:fillRect/>
           </a:stretch>
@@ -6391,7 +6349,6 @@
               <a:rPr lang="zh-CN" altLang="zh-CN" dirty="0"/>
               <a:t>文件系统中并行运行。</a:t>
             </a:r>
-            <a:endParaRPr lang="zh-CN" altLang="zh-CN" dirty="0"/>
           </a:p>
           <a:p>
             <a:pPr latinLnBrk="1"/>
@@ -6495,7 +6452,6 @@
               <a:rPr lang="zh-CN" altLang="zh-CN" dirty="0"/>
               <a:t>类库。</a:t>
             </a:r>
-            <a:endParaRPr lang="zh-CN" altLang="zh-CN" dirty="0"/>
           </a:p>
           <a:p>
             <a:pPr latinLnBrk="1"/>
@@ -6559,7 +6515,6 @@
               <a:rPr lang="zh-CN" altLang="zh-CN" dirty="0"/>
               <a:t>。</a:t>
             </a:r>
-            <a:endParaRPr lang="zh-CN" altLang="zh-CN" dirty="0"/>
           </a:p>
           <a:p>
             <a:pPr latinLnBrk="1"/>
@@ -6583,7 +6538,6 @@
               <a:rPr lang="zh-CN" altLang="zh-CN" dirty="0"/>
               <a:t>包的工具</a:t>
             </a:r>
-            <a:endParaRPr lang="zh-CN" altLang="zh-CN" dirty="0"/>
           </a:p>
           <a:p>
             <a:pPr latinLnBrk="1"/>
@@ -6631,7 +6585,6 @@
               <a:rPr lang="zh-CN" altLang="zh-CN" dirty="0"/>
               <a:t>孵化的一个尝试。</a:t>
             </a:r>
-            <a:endParaRPr lang="zh-CN" altLang="zh-CN" dirty="0"/>
           </a:p>
           <a:p>
             <a:endParaRPr lang="zh-CN" altLang="en-US" dirty="0"/>
@@ -6741,7 +6694,6 @@
               <a:rPr lang="zh-CN" altLang="en-US" sz="1600" b="1" dirty="0"/>
               <a:t>环境</a:t>
             </a:r>
-            <a:endParaRPr lang="zh-CN" altLang="en-US" sz="1600" b="1" dirty="0"/>
           </a:p>
           <a:p>
             <a:pPr>
@@ -6763,7 +6715,6 @@
               <a:rPr lang="en-US" altLang="zh-CN" sz="1600" dirty="0"/>
               <a:t> apt install openjdk-8-jre-headless</a:t>
             </a:r>
-            <a:endParaRPr lang="en-US" altLang="zh-CN" sz="1600" dirty="0"/>
           </a:p>
           <a:p>
             <a:pPr>
@@ -6819,7 +6770,6 @@
               <a:rPr lang="en-US" altLang="zh-CN" sz="1600" dirty="0"/>
               <a:t>			</a:t>
             </a:r>
-            <a:endParaRPr lang="en-US" altLang="zh-CN" sz="1600" dirty="0"/>
           </a:p>
           <a:p>
             <a:pPr>
@@ -6853,7 +6803,6 @@
               <a:rPr lang="en-US" altLang="zh-CN" sz="1600" dirty="0"/>
               <a:t>spark-2.1.0-bin-hadhoop2.7.tgz</a:t>
             </a:r>
-            <a:endParaRPr lang="en-US" altLang="zh-CN" sz="1600" dirty="0"/>
           </a:p>
           <a:p>
             <a:pPr>
@@ -6915,7 +6864,6 @@
               <a:rPr lang="en-US" altLang="zh-CN" sz="1600" dirty="0"/>
               <a:t> spark</a:t>
             </a:r>
-            <a:endParaRPr lang="en-US" altLang="zh-CN" sz="1600" dirty="0"/>
           </a:p>
           <a:p>
             <a:pPr>
@@ -6977,7 +6925,6 @@
               <a:rPr lang="zh-CN" altLang="en-US" sz="1600" dirty="0"/>
               <a:t>内的文件会被删除</a:t>
             </a:r>
-            <a:endParaRPr lang="zh-CN" altLang="en-US" sz="1600" dirty="0"/>
           </a:p>
           <a:p>
             <a:pPr>
@@ -7035,7 +6982,6 @@
               <a:rPr lang="en-US" altLang="zh-CN" sz="1600" dirty="0"/>
               <a:t>/spark/</a:t>
             </a:r>
-            <a:endParaRPr lang="en-US" altLang="zh-CN" sz="1600" dirty="0"/>
           </a:p>
           <a:p>
             <a:pPr>
@@ -7077,7 +7023,6 @@
               <a:rPr lang="en-US" altLang="zh-CN" sz="1600" dirty="0"/>
               <a:t>apt install python-pip</a:t>
             </a:r>
-            <a:endParaRPr lang="en-US" altLang="zh-CN" sz="1600" dirty="0"/>
           </a:p>
           <a:p>
             <a:pPr>
@@ -7107,7 +7052,6 @@
               <a:rPr lang="en-US" altLang="zh-CN" sz="1600" b="1" dirty="0" smtClean="0"/>
               <a:t>    </a:t>
             </a:r>
-            <a:endParaRPr lang="en-US" altLang="zh-CN" sz="1600" b="1" dirty="0" smtClean="0"/>
           </a:p>
           <a:p>
             <a:pPr>
@@ -7141,7 +7085,6 @@
               <a:rPr lang="en-US" altLang="zh-CN" sz="1600" dirty="0"/>
               <a:t>dist.apache.org/repos/dist/dev/incubator/toree/0.2.0/snapshots/dev1/toree-pip/toree-0.2.0.dev1.tar.gz</a:t>
             </a:r>
-            <a:endParaRPr lang="en-US" altLang="zh-CN" sz="1600" dirty="0"/>
           </a:p>
           <a:p>
             <a:pPr>
@@ -7195,7 +7138,6 @@
               <a:rPr lang="en-US" altLang="zh-CN" sz="1600" dirty="0"/>
               <a:t>/spark/spark-2.1.0-bin-hadoop2.7</a:t>
             </a:r>
-            <a:endParaRPr lang="en-US" altLang="zh-CN" sz="1600" dirty="0"/>
           </a:p>
           <a:p>
             <a:pPr>
@@ -7237,7 +7179,6 @@
               <a:rPr lang="en-US" altLang="zh-CN" sz="1600" dirty="0"/>
               <a:t>pip install notebook</a:t>
             </a:r>
-            <a:endParaRPr lang="en-US" altLang="zh-CN" sz="1600" dirty="0"/>
           </a:p>
           <a:p>
             <a:pPr>
@@ -7283,7 +7224,6 @@
               <a:rPr lang="en-US" altLang="zh-CN" sz="1600" dirty="0"/>
               <a:t> notebook --allow-root</a:t>
             </a:r>
-            <a:endParaRPr lang="en-US" altLang="zh-CN" sz="1600" dirty="0"/>
           </a:p>
           <a:p>
             <a:pPr>
@@ -7477,7 +7417,6 @@
               <a:rPr lang="zh-CN" altLang="zh-CN" dirty="0"/>
               <a:t>。</a:t>
             </a:r>
-            <a:endParaRPr lang="zh-CN" altLang="zh-CN" dirty="0"/>
           </a:p>
           <a:p>
             <a:endParaRPr lang="zh-CN" altLang="en-US" dirty="0"/>
@@ -7493,7 +7432,7 @@
           <p:nvPr/>
         </p:nvPicPr>
         <p:blipFill>
-          <a:blip r:embed="rId1">
+          <a:blip r:embed="rId2">
             <a:extLst>
               <a:ext uri="{28A0092B-C50C-407E-A947-70E740481C1C}">
                 <a14:useLocalDpi xmlns:a14="http://schemas.microsoft.com/office/drawing/2010/main" val="0"/>
